--- a/支付宝前端工具 spm.pptx
+++ b/支付宝前端工具 spm.pptx
@@ -16,29 +16,31 @@
     <p:sldId id="263" r:id="rId10"/>
     <p:sldId id="265" r:id="rId11"/>
     <p:sldId id="266" r:id="rId12"/>
-    <p:sldId id="267" r:id="rId13"/>
-    <p:sldId id="268" r:id="rId14"/>
-    <p:sldId id="269" r:id="rId15"/>
-    <p:sldId id="270" r:id="rId16"/>
-    <p:sldId id="271" r:id="rId17"/>
-    <p:sldId id="272" r:id="rId18"/>
-    <p:sldId id="273" r:id="rId19"/>
-    <p:sldId id="288" r:id="rId20"/>
-    <p:sldId id="280" r:id="rId21"/>
-    <p:sldId id="281" r:id="rId22"/>
-    <p:sldId id="289" r:id="rId23"/>
-    <p:sldId id="274" r:id="rId24"/>
-    <p:sldId id="275" r:id="rId25"/>
-    <p:sldId id="290" r:id="rId26"/>
-    <p:sldId id="276" r:id="rId27"/>
-    <p:sldId id="277" r:id="rId28"/>
-    <p:sldId id="279" r:id="rId29"/>
-    <p:sldId id="283" r:id="rId30"/>
-    <p:sldId id="284" r:id="rId31"/>
-    <p:sldId id="285" r:id="rId32"/>
-    <p:sldId id="286" r:id="rId33"/>
-    <p:sldId id="287" r:id="rId34"/>
-    <p:sldId id="291" r:id="rId35"/>
+    <p:sldId id="268" r:id="rId13"/>
+    <p:sldId id="269" r:id="rId14"/>
+    <p:sldId id="270" r:id="rId15"/>
+    <p:sldId id="271" r:id="rId16"/>
+    <p:sldId id="272" r:id="rId17"/>
+    <p:sldId id="273" r:id="rId18"/>
+    <p:sldId id="288" r:id="rId19"/>
+    <p:sldId id="294" r:id="rId20"/>
+    <p:sldId id="295" r:id="rId21"/>
+    <p:sldId id="280" r:id="rId22"/>
+    <p:sldId id="281" r:id="rId23"/>
+    <p:sldId id="293" r:id="rId24"/>
+    <p:sldId id="274" r:id="rId25"/>
+    <p:sldId id="275" r:id="rId26"/>
+    <p:sldId id="290" r:id="rId27"/>
+    <p:sldId id="276" r:id="rId28"/>
+    <p:sldId id="277" r:id="rId29"/>
+    <p:sldId id="279" r:id="rId30"/>
+    <p:sldId id="283" r:id="rId31"/>
+    <p:sldId id="292" r:id="rId32"/>
+    <p:sldId id="284" r:id="rId33"/>
+    <p:sldId id="285" r:id="rId34"/>
+    <p:sldId id="286" r:id="rId35"/>
+    <p:sldId id="287" r:id="rId36"/>
+    <p:sldId id="291" r:id="rId37"/>
   </p:sldIdLst>
   <p:sldSz cx="9144000" cy="6858000" type="screen4x3"/>
   <p:notesSz cx="6858000" cy="9144000"/>
@@ -161,7 +163,6 @@
         </p14:section>
         <p14:section name="spm 架构" id="{4B9461AA-8FF8-1446-BF52-1EF59B64B8EA}">
           <p14:sldIdLst>
-            <p14:sldId id="267"/>
             <p14:sldId id="268"/>
             <p14:sldId id="269"/>
             <p14:sldId id="270"/>
@@ -173,9 +174,11 @@
             <p14:sldId id="272"/>
             <p14:sldId id="273"/>
             <p14:sldId id="288"/>
+            <p14:sldId id="294"/>
+            <p14:sldId id="295"/>
             <p14:sldId id="280"/>
             <p14:sldId id="281"/>
-            <p14:sldId id="289"/>
+            <p14:sldId id="293"/>
             <p14:sldId id="274"/>
             <p14:sldId id="275"/>
             <p14:sldId id="290"/>
@@ -195,6 +198,7 @@
         <p14:section name="spm 辅助功能" id="{A755B203-1353-EE42-A9C3-80557D461760}">
           <p14:sldIdLst>
             <p14:sldId id="283"/>
+            <p14:sldId id="292"/>
           </p14:sldIdLst>
         </p14:section>
         <p14:section name="spm 扩展" id="{8AEE4113-6215-AB4C-8769-83A7D275772B}">
@@ -393,7 +397,7 @@
           <a:p>
             <a:fld id="{6FDA7382-4E32-5A41-AE59-F826421133E4}" type="datetimeFigureOut">
               <a:rPr lang="en-US" smtClean="0"/>
-              <a:t>12-12-3</a:t>
+              <a:t>12-12-20</a:t>
             </a:fld>
             <a:endParaRPr lang="en-US"/>
           </a:p>
@@ -563,7 +567,7 @@
           <a:p>
             <a:fld id="{6FDA7382-4E32-5A41-AE59-F826421133E4}" type="datetimeFigureOut">
               <a:rPr lang="en-US" smtClean="0"/>
-              <a:t>12-12-3</a:t>
+              <a:t>12-12-20</a:t>
             </a:fld>
             <a:endParaRPr lang="en-US"/>
           </a:p>
@@ -743,7 +747,7 @@
           <a:p>
             <a:fld id="{6FDA7382-4E32-5A41-AE59-F826421133E4}" type="datetimeFigureOut">
               <a:rPr lang="en-US" smtClean="0"/>
-              <a:t>12-12-3</a:t>
+              <a:t>12-12-20</a:t>
             </a:fld>
             <a:endParaRPr lang="en-US"/>
           </a:p>
@@ -913,7 +917,7 @@
           <a:p>
             <a:fld id="{6FDA7382-4E32-5A41-AE59-F826421133E4}" type="datetimeFigureOut">
               <a:rPr lang="en-US" smtClean="0"/>
-              <a:t>12-12-3</a:t>
+              <a:t>12-12-20</a:t>
             </a:fld>
             <a:endParaRPr lang="en-US"/>
           </a:p>
@@ -1159,7 +1163,7 @@
           <a:p>
             <a:fld id="{6FDA7382-4E32-5A41-AE59-F826421133E4}" type="datetimeFigureOut">
               <a:rPr lang="en-US" smtClean="0"/>
-              <a:t>12-12-3</a:t>
+              <a:t>12-12-20</a:t>
             </a:fld>
             <a:endParaRPr lang="en-US"/>
           </a:p>
@@ -1447,7 +1451,7 @@
           <a:p>
             <a:fld id="{6FDA7382-4E32-5A41-AE59-F826421133E4}" type="datetimeFigureOut">
               <a:rPr lang="en-US" smtClean="0"/>
-              <a:t>12-12-3</a:t>
+              <a:t>12-12-20</a:t>
             </a:fld>
             <a:endParaRPr lang="en-US"/>
           </a:p>
@@ -1869,7 +1873,7 @@
           <a:p>
             <a:fld id="{6FDA7382-4E32-5A41-AE59-F826421133E4}" type="datetimeFigureOut">
               <a:rPr lang="en-US" smtClean="0"/>
-              <a:t>12-12-3</a:t>
+              <a:t>12-12-20</a:t>
             </a:fld>
             <a:endParaRPr lang="en-US"/>
           </a:p>
@@ -1987,7 +1991,7 @@
           <a:p>
             <a:fld id="{6FDA7382-4E32-5A41-AE59-F826421133E4}" type="datetimeFigureOut">
               <a:rPr lang="en-US" smtClean="0"/>
-              <a:t>12-12-3</a:t>
+              <a:t>12-12-20</a:t>
             </a:fld>
             <a:endParaRPr lang="en-US"/>
           </a:p>
@@ -2082,7 +2086,7 @@
           <a:p>
             <a:fld id="{6FDA7382-4E32-5A41-AE59-F826421133E4}" type="datetimeFigureOut">
               <a:rPr lang="en-US" smtClean="0"/>
-              <a:t>12-12-3</a:t>
+              <a:t>12-12-20</a:t>
             </a:fld>
             <a:endParaRPr lang="en-US"/>
           </a:p>
@@ -2359,7 +2363,7 @@
           <a:p>
             <a:fld id="{6FDA7382-4E32-5A41-AE59-F826421133E4}" type="datetimeFigureOut">
               <a:rPr lang="en-US" smtClean="0"/>
-              <a:t>12-12-3</a:t>
+              <a:t>12-12-20</a:t>
             </a:fld>
             <a:endParaRPr lang="en-US"/>
           </a:p>
@@ -2612,7 +2616,7 @@
           <a:p>
             <a:fld id="{6FDA7382-4E32-5A41-AE59-F826421133E4}" type="datetimeFigureOut">
               <a:rPr lang="en-US" smtClean="0"/>
-              <a:t>12-12-3</a:t>
+              <a:t>12-12-20</a:t>
             </a:fld>
             <a:endParaRPr lang="en-US"/>
           </a:p>
@@ -2825,7 +2829,7 @@
           <a:p>
             <a:fld id="{6FDA7382-4E32-5A41-AE59-F826421133E4}" type="datetimeFigureOut">
               <a:rPr lang="en-US" smtClean="0"/>
-              <a:t>12-12-3</a:t>
+              <a:t>12-12-20</a:t>
             </a:fld>
             <a:endParaRPr lang="en-US"/>
           </a:p>
@@ -3523,33 +3527,9 @@
           <a:chExt cx="0" cy="0"/>
         </a:xfrm>
       </p:grpSpPr>
-      <p:pic>
-        <p:nvPicPr>
-          <p:cNvPr id="8" name="Picture 7"/>
-          <p:cNvPicPr>
-            <a:picLocks noChangeAspect="1"/>
-          </p:cNvPicPr>
-          <p:nvPr/>
-        </p:nvPicPr>
-        <p:blipFill>
-          <a:blip r:embed="rId2"/>
-          <a:stretch>
-            <a:fillRect/>
-          </a:stretch>
-        </p:blipFill>
-        <p:spPr>
-          <a:xfrm>
-            <a:off x="0" y="368300"/>
-            <a:ext cx="9144000" cy="6112247"/>
-          </a:xfrm>
-          <a:prstGeom prst="rect">
-            <a:avLst/>
-          </a:prstGeom>
-        </p:spPr>
-      </p:pic>
-      <p:sp>
-        <p:nvSpPr>
-          <p:cNvPr id="9" name="Title 8"/>
+      <p:sp>
+        <p:nvSpPr>
+          <p:cNvPr id="2" name="Title 1"/>
           <p:cNvSpPr>
             <a:spLocks noGrp="1"/>
           </p:cNvSpPr>
@@ -3563,20 +3543,91 @@
           <a:lstStyle/>
           <a:p>
             <a:r>
-              <a:rPr lang="en-US" dirty="0" err="1"/>
+              <a:rPr lang="en-US" altLang="zh-CN" dirty="0" err="1"/>
               <a:t>s</a:t>
             </a:r>
             <a:r>
-              <a:rPr lang="en-US" dirty="0" err="1" smtClean="0"/>
+              <a:rPr lang="en-US" altLang="zh-CN" dirty="0" err="1" smtClean="0"/>
               <a:t>pm</a:t>
             </a:r>
             <a:r>
+              <a:rPr lang="en-US" altLang="zh-CN" dirty="0" smtClean="0"/>
+              <a:t> action</a:t>
+            </a:r>
+            <a:endParaRPr lang="en-US" dirty="0"/>
+          </a:p>
+        </p:txBody>
+      </p:sp>
+      <p:sp>
+        <p:nvSpPr>
+          <p:cNvPr id="3" name="Content Placeholder 2"/>
+          <p:cNvSpPr>
+            <a:spLocks noGrp="1"/>
+          </p:cNvSpPr>
+          <p:nvPr>
+            <p:ph idx="1"/>
+          </p:nvPr>
+        </p:nvSpPr>
+        <p:spPr/>
+        <p:txBody>
+          <a:bodyPr/>
+          <a:lstStyle/>
+          <a:p>
+            <a:r>
               <a:rPr lang="en-US" dirty="0" smtClean="0"/>
-              <a:t> </a:t>
-            </a:r>
-            <a:r>
-              <a:rPr lang="zh-CN" altLang="en-US" dirty="0" smtClean="0"/>
-              <a:t>核心模块</a:t>
+              <a:t>Build</a:t>
+            </a:r>
+            <a:endParaRPr lang="en-US" dirty="0" smtClean="0"/>
+          </a:p>
+          <a:p>
+            <a:r>
+              <a:rPr lang="en-US" dirty="0"/>
+              <a:t>u</a:t>
+            </a:r>
+            <a:r>
+              <a:rPr lang="en-US" dirty="0" smtClean="0"/>
+              <a:t>pload</a:t>
+            </a:r>
+          </a:p>
+          <a:p>
+            <a:r>
+              <a:rPr lang="en-US" dirty="0" smtClean="0"/>
+              <a:t>Publish</a:t>
+            </a:r>
+            <a:endParaRPr lang="en-US" dirty="0" smtClean="0"/>
+          </a:p>
+          <a:p>
+            <a:r>
+              <a:rPr lang="en-US" dirty="0"/>
+              <a:t>d</a:t>
+            </a:r>
+            <a:r>
+              <a:rPr lang="en-US" dirty="0" smtClean="0"/>
+              <a:t>eploy</a:t>
+            </a:r>
+            <a:endParaRPr lang="en-US" dirty="0" smtClean="0"/>
+          </a:p>
+          <a:p>
+            <a:r>
+              <a:rPr lang="en-US" dirty="0" smtClean="0"/>
+              <a:t>Install</a:t>
+            </a:r>
+            <a:endParaRPr lang="en-US" dirty="0" smtClean="0"/>
+          </a:p>
+          <a:p>
+            <a:r>
+              <a:rPr lang="en-US" dirty="0"/>
+              <a:t>s</a:t>
+            </a:r>
+            <a:r>
+              <a:rPr lang="en-US" dirty="0" smtClean="0"/>
+              <a:t>earch</a:t>
+            </a:r>
+          </a:p>
+          <a:p>
+            <a:r>
+              <a:rPr lang="en-US" dirty="0" smtClean="0"/>
+              <a:t>server</a:t>
             </a:r>
             <a:endParaRPr lang="en-US" dirty="0"/>
           </a:p>
@@ -3585,7 +3636,7 @@
     </p:spTree>
     <p:extLst>
       <p:ext uri="{BB962C8B-B14F-4D97-AF65-F5344CB8AC3E}">
-        <p14:creationId xmlns:p14="http://schemas.microsoft.com/office/powerpoint/2010/main" val="596777166"/>
+        <p14:creationId xmlns:p14="http://schemas.microsoft.com/office/powerpoint/2010/main" val="385111572"/>
       </p:ext>
     </p:extLst>
   </p:cSld>
@@ -3635,105 +3686,174 @@
           <a:lstStyle/>
           <a:p>
             <a:r>
-              <a:rPr lang="en-US" altLang="zh-CN" dirty="0" err="1"/>
+              <a:rPr lang="en-US" dirty="0" err="1"/>
               <a:t>s</a:t>
             </a:r>
             <a:r>
-              <a:rPr lang="en-US" altLang="zh-CN" dirty="0" err="1" smtClean="0"/>
+              <a:rPr lang="en-US" dirty="0" err="1" smtClean="0"/>
               <a:t>pm</a:t>
             </a:r>
             <a:r>
+              <a:rPr lang="en-US" dirty="0" smtClean="0"/>
+              <a:t> plugin</a:t>
+            </a:r>
+            <a:endParaRPr lang="en-US" dirty="0"/>
+          </a:p>
+        </p:txBody>
+      </p:sp>
+      <p:sp>
+        <p:nvSpPr>
+          <p:cNvPr id="3" name="Content Placeholder 2"/>
+          <p:cNvSpPr>
+            <a:spLocks noGrp="1"/>
+          </p:cNvSpPr>
+          <p:nvPr>
+            <p:ph idx="1"/>
+          </p:nvPr>
+        </p:nvSpPr>
+        <p:spPr>
+          <a:xfrm>
+            <a:off x="457200" y="1587871"/>
+            <a:ext cx="8229600" cy="4525963"/>
+          </a:xfrm>
+        </p:spPr>
+        <p:txBody>
+          <a:bodyPr>
+            <a:normAutofit lnSpcReduction="10000"/>
+          </a:bodyPr>
+          <a:lstStyle/>
+          <a:p>
+            <a:pPr marL="0" indent="0">
+              <a:buNone/>
+            </a:pPr>
+            <a:r>
+              <a:rPr lang="zh-CN" altLang="en-US" dirty="0" smtClean="0"/>
+              <a:t>编译类</a:t>
+            </a:r>
+            <a:endParaRPr lang="en-US" altLang="zh-CN" dirty="0" smtClean="0"/>
+          </a:p>
+          <a:p>
+            <a:pPr marL="0" indent="0">
+              <a:buNone/>
+            </a:pPr>
+            <a:r>
+              <a:rPr lang="en-US" dirty="0"/>
+              <a:t> </a:t>
+            </a:r>
+            <a:r>
+              <a:rPr lang="en-US" dirty="0" smtClean="0"/>
+              <a:t>   * </a:t>
+            </a:r>
+            <a:r>
               <a:rPr lang="en-US" altLang="zh-CN" dirty="0" smtClean="0"/>
-              <a:t> action</a:t>
-            </a:r>
-            <a:endParaRPr lang="en-US" dirty="0"/>
-          </a:p>
-        </p:txBody>
-      </p:sp>
-      <p:sp>
-        <p:nvSpPr>
-          <p:cNvPr id="3" name="Content Placeholder 2"/>
-          <p:cNvSpPr>
-            <a:spLocks noGrp="1"/>
-          </p:cNvSpPr>
-          <p:nvPr>
-            <p:ph idx="1"/>
-          </p:nvPr>
-        </p:nvSpPr>
-        <p:spPr/>
-        <p:txBody>
-          <a:bodyPr/>
-          <a:lstStyle/>
-          <a:p>
+              <a:t>coffee</a:t>
+            </a:r>
+          </a:p>
+          <a:p>
+            <a:pPr marL="0" indent="0">
+              <a:buNone/>
+            </a:pPr>
             <a:r>
               <a:rPr lang="en-US" dirty="0"/>
-              <a:t>build</a:t>
-            </a:r>
+              <a:t> </a:t>
+            </a:r>
+            <a:r>
+              <a:rPr lang="en-US" dirty="0" smtClean="0"/>
+              <a:t>   * less</a:t>
+            </a:r>
+          </a:p>
+          <a:p>
+            <a:pPr marL="0" indent="0">
+              <a:buNone/>
+            </a:pPr>
+            <a:r>
+              <a:rPr lang="en-US" dirty="0"/>
+              <a:t> </a:t>
+            </a:r>
+            <a:r>
+              <a:rPr lang="en-US" dirty="0" smtClean="0"/>
+              <a:t>   * transport</a:t>
+            </a:r>
+          </a:p>
+          <a:p>
+            <a:pPr marL="0" indent="0">
+              <a:buNone/>
+            </a:pPr>
+            <a:r>
+              <a:rPr lang="zh-CN" altLang="en-US" dirty="0" smtClean="0"/>
+              <a:t>功能</a:t>
+            </a:r>
+            <a:endParaRPr lang="en-US" altLang="zh-CN" dirty="0" smtClean="0"/>
+          </a:p>
+          <a:p>
+            <a:pPr marL="0" indent="0">
+              <a:buNone/>
+            </a:pPr>
+            <a:r>
+              <a:rPr lang="en-US" altLang="zh-CN" dirty="0"/>
+              <a:t> </a:t>
+            </a:r>
+            <a:r>
+              <a:rPr lang="en-US" altLang="zh-CN" dirty="0" smtClean="0"/>
+              <a:t>   * output</a:t>
+            </a:r>
+          </a:p>
+          <a:p>
+            <a:pPr marL="0" indent="0">
+              <a:buNone/>
+            </a:pPr>
+            <a:r>
+              <a:rPr lang="en-US" altLang="zh-CN" dirty="0"/>
+              <a:t> </a:t>
+            </a:r>
+            <a:r>
+              <a:rPr lang="en-US" altLang="zh-CN" dirty="0" smtClean="0"/>
+              <a:t>   * min</a:t>
+            </a:r>
+          </a:p>
+          <a:p>
+            <a:pPr marL="0" indent="0">
+              <a:buNone/>
+            </a:pPr>
+            <a:r>
+              <a:rPr lang="en-US" altLang="zh-CN" dirty="0"/>
+              <a:t> </a:t>
+            </a:r>
+            <a:r>
+              <a:rPr lang="en-US" altLang="zh-CN" dirty="0" smtClean="0"/>
+              <a:t>   * zip</a:t>
+            </a:r>
+          </a:p>
+          <a:p>
+            <a:pPr marL="0" indent="0">
+              <a:buNone/>
+            </a:pPr>
             <a:endParaRPr lang="en-US" dirty="0" smtClean="0"/>
           </a:p>
           <a:p>
-            <a:r>
-              <a:rPr lang="en-US" dirty="0"/>
-              <a:t>u</a:t>
-            </a:r>
-            <a:r>
-              <a:rPr lang="en-US" dirty="0" smtClean="0"/>
-              <a:t>pload</a:t>
-            </a:r>
-          </a:p>
-          <a:p>
-            <a:r>
-              <a:rPr lang="en-US" dirty="0"/>
-              <a:t>d</a:t>
-            </a:r>
-            <a:r>
-              <a:rPr lang="en-US" dirty="0" smtClean="0"/>
-              <a:t>eploy</a:t>
-            </a:r>
-          </a:p>
-          <a:p>
-            <a:r>
-              <a:rPr lang="en-US" dirty="0"/>
-              <a:t>i</a:t>
-            </a:r>
-            <a:r>
-              <a:rPr lang="en-US" dirty="0" smtClean="0"/>
-              <a:t>nstall</a:t>
-            </a:r>
-          </a:p>
-          <a:p>
-            <a:r>
-              <a:rPr lang="en-US" dirty="0"/>
-              <a:t>t</a:t>
-            </a:r>
-            <a:r>
-              <a:rPr lang="en-US" dirty="0" smtClean="0"/>
-              <a:t>ransport</a:t>
-            </a:r>
-          </a:p>
-          <a:p>
-            <a:r>
-              <a:rPr lang="en-US" dirty="0"/>
-              <a:t>s</a:t>
-            </a:r>
-            <a:r>
-              <a:rPr lang="en-US" dirty="0" smtClean="0"/>
-              <a:t>earch</a:t>
-            </a:r>
-          </a:p>
-          <a:p>
-            <a:r>
-              <a:rPr lang="en-US" dirty="0" smtClean="0"/>
-              <a:t>server</a:t>
-            </a:r>
-            <a:endParaRPr lang="en-US" dirty="0"/>
+            <a:pPr marL="0" indent="0">
+              <a:buNone/>
+            </a:pPr>
+            <a:endParaRPr lang="en-US" dirty="0" smtClean="0"/>
+          </a:p>
+          <a:p>
+            <a:pPr marL="0" indent="0">
+              <a:buNone/>
+            </a:pPr>
+            <a:endParaRPr lang="en-US" dirty="0" smtClean="0"/>
+          </a:p>
+          <a:p>
+            <a:pPr marL="0" indent="0">
+              <a:buNone/>
+            </a:pPr>
+            <a:endParaRPr lang="en-US" dirty="0" smtClean="0"/>
           </a:p>
         </p:txBody>
       </p:sp>
     </p:spTree>
     <p:extLst>
       <p:ext uri="{BB962C8B-B14F-4D97-AF65-F5344CB8AC3E}">
-        <p14:creationId xmlns:p14="http://schemas.microsoft.com/office/powerpoint/2010/main" val="385111572"/>
+        <p14:creationId xmlns:p14="http://schemas.microsoft.com/office/powerpoint/2010/main" val="2772121897"/>
       </p:ext>
     </p:extLst>
   </p:cSld>
@@ -3783,174 +3903,46 @@
           <a:lstStyle/>
           <a:p>
             <a:r>
-              <a:rPr lang="en-US" dirty="0" err="1"/>
-              <a:t>s</a:t>
-            </a:r>
-            <a:r>
-              <a:rPr lang="en-US" dirty="0" err="1" smtClean="0"/>
-              <a:t>pm</a:t>
-            </a:r>
+              <a:rPr lang="zh-CN" altLang="en-US" dirty="0" smtClean="0"/>
+              <a:t>小结</a:t>
+            </a:r>
+            <a:endParaRPr lang="en-US" dirty="0"/>
+          </a:p>
+        </p:txBody>
+      </p:sp>
+      <p:sp>
+        <p:nvSpPr>
+          <p:cNvPr id="3" name="Content Placeholder 2"/>
+          <p:cNvSpPr>
+            <a:spLocks noGrp="1"/>
+          </p:cNvSpPr>
+          <p:nvPr>
+            <p:ph idx="1"/>
+          </p:nvPr>
+        </p:nvSpPr>
+        <p:spPr/>
+        <p:txBody>
+          <a:bodyPr/>
+          <a:lstStyle/>
+          <a:p>
+            <a:r>
+              <a:rPr lang="en-US" altLang="zh-CN" dirty="0" smtClean="0"/>
+              <a:t>Action</a:t>
+            </a:r>
+          </a:p>
+          <a:p>
             <a:r>
               <a:rPr lang="en-US" dirty="0" smtClean="0"/>
-              <a:t> plugin</a:t>
+              <a:t>plugin</a:t>
             </a:r>
             <a:endParaRPr lang="en-US" dirty="0"/>
-          </a:p>
-        </p:txBody>
-      </p:sp>
-      <p:sp>
-        <p:nvSpPr>
-          <p:cNvPr id="3" name="Content Placeholder 2"/>
-          <p:cNvSpPr>
-            <a:spLocks noGrp="1"/>
-          </p:cNvSpPr>
-          <p:nvPr>
-            <p:ph idx="1"/>
-          </p:nvPr>
-        </p:nvSpPr>
-        <p:spPr>
-          <a:xfrm>
-            <a:off x="457200" y="1587871"/>
-            <a:ext cx="8229600" cy="4525963"/>
-          </a:xfrm>
-        </p:spPr>
-        <p:txBody>
-          <a:bodyPr>
-            <a:normAutofit lnSpcReduction="10000"/>
-          </a:bodyPr>
-          <a:lstStyle/>
-          <a:p>
-            <a:pPr marL="0" indent="0">
-              <a:buNone/>
-            </a:pPr>
-            <a:r>
-              <a:rPr lang="zh-CN" altLang="en-US" dirty="0" smtClean="0"/>
-              <a:t>编译类</a:t>
-            </a:r>
-            <a:endParaRPr lang="en-US" altLang="zh-CN" dirty="0" smtClean="0"/>
-          </a:p>
-          <a:p>
-            <a:pPr marL="0" indent="0">
-              <a:buNone/>
-            </a:pPr>
-            <a:r>
-              <a:rPr lang="en-US" dirty="0"/>
-              <a:t> </a:t>
-            </a:r>
-            <a:r>
-              <a:rPr lang="en-US" dirty="0" smtClean="0"/>
-              <a:t>   * </a:t>
-            </a:r>
-            <a:r>
-              <a:rPr lang="en-US" altLang="zh-CN" dirty="0" smtClean="0"/>
-              <a:t>coffee</a:t>
-            </a:r>
-          </a:p>
-          <a:p>
-            <a:pPr marL="0" indent="0">
-              <a:buNone/>
-            </a:pPr>
-            <a:r>
-              <a:rPr lang="en-US" dirty="0"/>
-              <a:t> </a:t>
-            </a:r>
-            <a:r>
-              <a:rPr lang="en-US" dirty="0" smtClean="0"/>
-              <a:t>   * less</a:t>
-            </a:r>
-          </a:p>
-          <a:p>
-            <a:pPr marL="0" indent="0">
-              <a:buNone/>
-            </a:pPr>
-            <a:r>
-              <a:rPr lang="en-US" dirty="0"/>
-              <a:t> </a:t>
-            </a:r>
-            <a:r>
-              <a:rPr lang="en-US" dirty="0" smtClean="0"/>
-              <a:t>   * transport</a:t>
-            </a:r>
-          </a:p>
-          <a:p>
-            <a:pPr marL="0" indent="0">
-              <a:buNone/>
-            </a:pPr>
-            <a:r>
-              <a:rPr lang="zh-CN" altLang="en-US" dirty="0" smtClean="0"/>
-              <a:t>功能</a:t>
-            </a:r>
-            <a:endParaRPr lang="en-US" altLang="zh-CN" dirty="0" smtClean="0"/>
-          </a:p>
-          <a:p>
-            <a:pPr marL="0" indent="0">
-              <a:buNone/>
-            </a:pPr>
-            <a:r>
-              <a:rPr lang="en-US" altLang="zh-CN" dirty="0"/>
-              <a:t> </a:t>
-            </a:r>
-            <a:r>
-              <a:rPr lang="en-US" altLang="zh-CN" dirty="0" smtClean="0"/>
-              <a:t>   * output</a:t>
-            </a:r>
-          </a:p>
-          <a:p>
-            <a:pPr marL="0" indent="0">
-              <a:buNone/>
-            </a:pPr>
-            <a:r>
-              <a:rPr lang="en-US" altLang="zh-CN" dirty="0"/>
-              <a:t> </a:t>
-            </a:r>
-            <a:r>
-              <a:rPr lang="en-US" altLang="zh-CN" dirty="0" smtClean="0"/>
-              <a:t>   * min</a:t>
-            </a:r>
-          </a:p>
-          <a:p>
-            <a:pPr marL="0" indent="0">
-              <a:buNone/>
-            </a:pPr>
-            <a:r>
-              <a:rPr lang="en-US" altLang="zh-CN" dirty="0"/>
-              <a:t> </a:t>
-            </a:r>
-            <a:r>
-              <a:rPr lang="en-US" altLang="zh-CN" dirty="0" smtClean="0"/>
-              <a:t>   * zip</a:t>
-            </a:r>
-          </a:p>
-          <a:p>
-            <a:pPr marL="0" indent="0">
-              <a:buNone/>
-            </a:pPr>
-            <a:endParaRPr lang="en-US" dirty="0" smtClean="0"/>
-          </a:p>
-          <a:p>
-            <a:pPr marL="0" indent="0">
-              <a:buNone/>
-            </a:pPr>
-            <a:endParaRPr lang="en-US" dirty="0" smtClean="0"/>
-          </a:p>
-          <a:p>
-            <a:pPr marL="0" indent="0">
-              <a:buNone/>
-            </a:pPr>
-            <a:endParaRPr lang="en-US" dirty="0" smtClean="0"/>
-          </a:p>
-          <a:p>
-            <a:pPr marL="0" indent="0">
-              <a:buNone/>
-            </a:pPr>
-            <a:endParaRPr lang="en-US" dirty="0" smtClean="0"/>
           </a:p>
         </p:txBody>
       </p:sp>
     </p:spTree>
     <p:extLst>
       <p:ext uri="{BB962C8B-B14F-4D97-AF65-F5344CB8AC3E}">
-        <p14:creationId xmlns:p14="http://schemas.microsoft.com/office/powerpoint/2010/main" val="2772121897"/>
+        <p14:creationId xmlns:p14="http://schemas.microsoft.com/office/powerpoint/2010/main" val="3663262664"/>
       </p:ext>
     </p:extLst>
   </p:cSld>
@@ -4000,8 +3992,16 @@
           <a:lstStyle/>
           <a:p>
             <a:r>
+              <a:rPr lang="en-US" altLang="zh-CN" dirty="0" err="1" smtClean="0"/>
+              <a:t>spm</a:t>
+            </a:r>
+            <a:r>
+              <a:rPr lang="en-US" altLang="zh-CN" dirty="0" smtClean="0"/>
+              <a:t> </a:t>
+            </a:r>
+            <a:r>
               <a:rPr lang="zh-CN" altLang="en-US" dirty="0" smtClean="0"/>
-              <a:t>小结</a:t>
+              <a:t>配置文件</a:t>
             </a:r>
             <a:endParaRPr lang="en-US" dirty="0"/>
           </a:p>
@@ -4023,14 +4023,33 @@
           <a:lstStyle/>
           <a:p>
             <a:r>
-              <a:rPr lang="en-US" altLang="zh-CN" dirty="0" smtClean="0"/>
-              <a:t>Action</a:t>
-            </a:r>
+              <a:rPr lang="zh-CN" altLang="en-US" dirty="0" smtClean="0"/>
+              <a:t>模块配置</a:t>
+            </a:r>
+            <a:endParaRPr lang="en-US" altLang="zh-CN" dirty="0" smtClean="0"/>
           </a:p>
           <a:p>
             <a:r>
               <a:rPr lang="en-US" dirty="0" smtClean="0"/>
-              <a:t>plugin</a:t>
+              <a:t>parent </a:t>
+            </a:r>
+            <a:r>
+              <a:rPr lang="zh-CN" altLang="en-US" dirty="0" smtClean="0"/>
+              <a:t>配置</a:t>
+            </a:r>
+            <a:endParaRPr lang="en-US" altLang="zh-CN" dirty="0" smtClean="0"/>
+          </a:p>
+          <a:p>
+            <a:r>
+              <a:rPr lang="zh-CN" altLang="en-US" dirty="0" smtClean="0"/>
+              <a:t>用户配置</a:t>
+            </a:r>
+            <a:endParaRPr lang="en-US" altLang="zh-CN" dirty="0" smtClean="0"/>
+          </a:p>
+          <a:p>
+            <a:r>
+              <a:rPr lang="zh-CN" altLang="en-US" dirty="0" smtClean="0"/>
+              <a:t>源配置</a:t>
             </a:r>
             <a:endParaRPr lang="en-US" dirty="0"/>
           </a:p>
@@ -4039,7 +4058,7 @@
     </p:spTree>
     <p:extLst>
       <p:ext uri="{BB962C8B-B14F-4D97-AF65-F5344CB8AC3E}">
-        <p14:creationId xmlns:p14="http://schemas.microsoft.com/office/powerpoint/2010/main" val="3663262664"/>
+        <p14:creationId xmlns:p14="http://schemas.microsoft.com/office/powerpoint/2010/main" val="1830932943"/>
       </p:ext>
     </p:extLst>
   </p:cSld>
@@ -4089,122 +4108,6 @@
           <a:lstStyle/>
           <a:p>
             <a:r>
-              <a:rPr lang="en-US" altLang="zh-CN" dirty="0" err="1" smtClean="0"/>
-              <a:t>spm</a:t>
-            </a:r>
-            <a:r>
-              <a:rPr lang="en-US" altLang="zh-CN" dirty="0" smtClean="0"/>
-              <a:t> </a:t>
-            </a:r>
-            <a:r>
-              <a:rPr lang="zh-CN" altLang="en-US" dirty="0" smtClean="0"/>
-              <a:t>配置文件</a:t>
-            </a:r>
-            <a:endParaRPr lang="en-US" dirty="0"/>
-          </a:p>
-        </p:txBody>
-      </p:sp>
-      <p:sp>
-        <p:nvSpPr>
-          <p:cNvPr id="3" name="Content Placeholder 2"/>
-          <p:cNvSpPr>
-            <a:spLocks noGrp="1"/>
-          </p:cNvSpPr>
-          <p:nvPr>
-            <p:ph idx="1"/>
-          </p:nvPr>
-        </p:nvSpPr>
-        <p:spPr/>
-        <p:txBody>
-          <a:bodyPr/>
-          <a:lstStyle/>
-          <a:p>
-            <a:r>
-              <a:rPr lang="zh-CN" altLang="en-US" dirty="0" smtClean="0"/>
-              <a:t>模块配置</a:t>
-            </a:r>
-            <a:endParaRPr lang="en-US" altLang="zh-CN" dirty="0" smtClean="0"/>
-          </a:p>
-          <a:p>
-            <a:r>
-              <a:rPr lang="en-US" dirty="0" smtClean="0"/>
-              <a:t>parent </a:t>
-            </a:r>
-            <a:r>
-              <a:rPr lang="zh-CN" altLang="en-US" dirty="0" smtClean="0"/>
-              <a:t>配置</a:t>
-            </a:r>
-            <a:endParaRPr lang="en-US" altLang="zh-CN" dirty="0" smtClean="0"/>
-          </a:p>
-          <a:p>
-            <a:r>
-              <a:rPr lang="zh-CN" altLang="en-US" dirty="0" smtClean="0"/>
-              <a:t>用户配置</a:t>
-            </a:r>
-            <a:endParaRPr lang="en-US" altLang="zh-CN" dirty="0" smtClean="0"/>
-          </a:p>
-          <a:p>
-            <a:r>
-              <a:rPr lang="zh-CN" altLang="en-US" dirty="0" smtClean="0"/>
-              <a:t>源配置</a:t>
-            </a:r>
-            <a:endParaRPr lang="en-US" dirty="0"/>
-          </a:p>
-        </p:txBody>
-      </p:sp>
-    </p:spTree>
-    <p:extLst>
-      <p:ext uri="{BB962C8B-B14F-4D97-AF65-F5344CB8AC3E}">
-        <p14:creationId xmlns:p14="http://schemas.microsoft.com/office/powerpoint/2010/main" val="1830932943"/>
-      </p:ext>
-    </p:extLst>
-  </p:cSld>
-  <p:clrMapOvr>
-    <a:masterClrMapping/>
-  </p:clrMapOvr>
-  <p:timing>
-    <p:tnLst>
-      <p:par>
-        <p:cTn xmlns:p14="http://schemas.microsoft.com/office/powerpoint/2010/main" id="1" dur="indefinite" restart="never" nodeType="tmRoot"/>
-      </p:par>
-    </p:tnLst>
-  </p:timing>
-</p:sld>
-</file>
-
-<file path=ppt/slides/slide17.xml><?xml version="1.0" encoding="utf-8"?>
-<p:sld xmlns:a="http://schemas.openxmlformats.org/drawingml/2006/main" xmlns:r="http://schemas.openxmlformats.org/officeDocument/2006/relationships" xmlns:p="http://schemas.openxmlformats.org/presentationml/2006/main">
-  <p:cSld>
-    <p:spTree>
-      <p:nvGrpSpPr>
-        <p:cNvPr id="1" name=""/>
-        <p:cNvGrpSpPr/>
-        <p:nvPr/>
-      </p:nvGrpSpPr>
-      <p:grpSpPr>
-        <a:xfrm>
-          <a:off x="0" y="0"/>
-          <a:ext cx="0" cy="0"/>
-          <a:chOff x="0" y="0"/>
-          <a:chExt cx="0" cy="0"/>
-        </a:xfrm>
-      </p:grpSpPr>
-      <p:sp>
-        <p:nvSpPr>
-          <p:cNvPr id="2" name="Title 1"/>
-          <p:cNvSpPr>
-            <a:spLocks noGrp="1"/>
-          </p:cNvSpPr>
-          <p:nvPr>
-            <p:ph type="title"/>
-          </p:nvPr>
-        </p:nvSpPr>
-        <p:spPr/>
-        <p:txBody>
-          <a:bodyPr/>
-          <a:lstStyle/>
-          <a:p>
-            <a:r>
               <a:rPr lang="en-US" dirty="0" smtClean="0"/>
               <a:t>模块配置</a:t>
             </a:r>
@@ -4314,7 +4217,7 @@
 </p:sld>
 </file>
 
-<file path=ppt/slides/slide18.xml><?xml version="1.0" encoding="utf-8"?>
+<file path=ppt/slides/slide17.xml><?xml version="1.0" encoding="utf-8"?>
 <p:sld xmlns:a="http://schemas.openxmlformats.org/drawingml/2006/main" xmlns:r="http://schemas.openxmlformats.org/officeDocument/2006/relationships" xmlns:p="http://schemas.openxmlformats.org/presentationml/2006/main">
   <p:cSld>
     <p:spTree>
@@ -4403,6 +4306,103 @@
 </p:sld>
 </file>
 
+<file path=ppt/slides/slide18.xml><?xml version="1.0" encoding="utf-8"?>
+<p:sld xmlns:a="http://schemas.openxmlformats.org/drawingml/2006/main" xmlns:r="http://schemas.openxmlformats.org/officeDocument/2006/relationships" xmlns:p="http://schemas.openxmlformats.org/presentationml/2006/main">
+  <p:cSld>
+    <p:spTree>
+      <p:nvGrpSpPr>
+        <p:cNvPr id="1" name=""/>
+        <p:cNvGrpSpPr/>
+        <p:nvPr/>
+      </p:nvGrpSpPr>
+      <p:grpSpPr>
+        <a:xfrm>
+          <a:off x="0" y="0"/>
+          <a:ext cx="0" cy="0"/>
+          <a:chOff x="0" y="0"/>
+          <a:chExt cx="0" cy="0"/>
+        </a:xfrm>
+      </p:grpSpPr>
+      <p:sp>
+        <p:nvSpPr>
+          <p:cNvPr id="2" name="Title 1"/>
+          <p:cNvSpPr>
+            <a:spLocks noGrp="1"/>
+          </p:cNvSpPr>
+          <p:nvPr>
+            <p:ph type="title"/>
+          </p:nvPr>
+        </p:nvSpPr>
+        <p:spPr/>
+        <p:txBody>
+          <a:bodyPr/>
+          <a:lstStyle/>
+          <a:p>
+            <a:r>
+              <a:rPr lang="en-US" dirty="0" smtClean="0"/>
+              <a:t>重点配置项</a:t>
+            </a:r>
+            <a:endParaRPr lang="en-US" dirty="0"/>
+          </a:p>
+        </p:txBody>
+      </p:sp>
+      <p:sp>
+        <p:nvSpPr>
+          <p:cNvPr id="3" name="Content Placeholder 2"/>
+          <p:cNvSpPr>
+            <a:spLocks noGrp="1"/>
+          </p:cNvSpPr>
+          <p:nvPr>
+            <p:ph idx="1"/>
+          </p:nvPr>
+        </p:nvSpPr>
+        <p:spPr/>
+        <p:txBody>
+          <a:bodyPr/>
+          <a:lstStyle/>
+          <a:p>
+            <a:r>
+              <a:rPr lang="en-US" altLang="zh-CN" dirty="0" err="1"/>
+              <a:t>d</a:t>
+            </a:r>
+            <a:r>
+              <a:rPr lang="en-US" altLang="zh-CN" dirty="0" err="1" smtClean="0"/>
+              <a:t>epedencies</a:t>
+            </a:r>
+            <a:endParaRPr lang="en-US" altLang="zh-CN" dirty="0" smtClean="0"/>
+          </a:p>
+          <a:p>
+            <a:r>
+              <a:rPr lang="en-US" dirty="0"/>
+              <a:t>o</a:t>
+            </a:r>
+            <a:r>
+              <a:rPr lang="en-US" dirty="0" smtClean="0"/>
+              <a:t>utput</a:t>
+            </a:r>
+          </a:p>
+          <a:p>
+            <a:r>
+              <a:rPr lang="en-US" dirty="0" err="1" smtClean="0"/>
+              <a:t>spmConfig</a:t>
+            </a:r>
+            <a:endParaRPr lang="en-US" dirty="0"/>
+          </a:p>
+        </p:txBody>
+      </p:sp>
+    </p:spTree>
+    <p:extLst>
+      <p:ext uri="{BB962C8B-B14F-4D97-AF65-F5344CB8AC3E}">
+        <p14:creationId xmlns:p14="http://schemas.microsoft.com/office/powerpoint/2010/main" val="3150263349"/>
+      </p:ext>
+    </p:extLst>
+  </p:cSld>
+  <p:clrMapOvr>
+    <a:masterClrMapping/>
+  </p:clrMapOvr>
+</p:sld>
+</file>
+
 <file path=ppt/slides/slide19.xml><?xml version="1.0" encoding="utf-8"?>
 <p:sld xmlns:a="http://schemas.openxmlformats.org/drawingml/2006/main" xmlns:r="http://schemas.openxmlformats.org/officeDocument/2006/relationships" xmlns:p="http://schemas.openxmlformats.org/presentationml/2006/main">
   <p:cSld>
@@ -4430,67 +4430,52 @@
             <p:ph type="title"/>
           </p:nvPr>
         </p:nvSpPr>
-        <p:spPr/>
+        <p:spPr>
+          <a:xfrm>
+            <a:off x="457200" y="0"/>
+            <a:ext cx="8229600" cy="977067"/>
+          </a:xfrm>
+        </p:spPr>
         <p:txBody>
           <a:bodyPr/>
           <a:lstStyle/>
           <a:p>
             <a:r>
               <a:rPr lang="en-US" dirty="0" smtClean="0"/>
-              <a:t>重点配置项</a:t>
+              <a:t>output</a:t>
             </a:r>
             <a:endParaRPr lang="en-US" dirty="0"/>
           </a:p>
         </p:txBody>
       </p:sp>
-      <p:sp>
-        <p:nvSpPr>
-          <p:cNvPr id="3" name="Content Placeholder 2"/>
-          <p:cNvSpPr>
-            <a:spLocks noGrp="1"/>
-          </p:cNvSpPr>
-          <p:nvPr>
-            <p:ph idx="1"/>
-          </p:nvPr>
-        </p:nvSpPr>
-        <p:spPr/>
-        <p:txBody>
-          <a:bodyPr/>
-          <a:lstStyle/>
-          <a:p>
-            <a:r>
-              <a:rPr lang="en-US" altLang="zh-CN" dirty="0" err="1"/>
-              <a:t>d</a:t>
-            </a:r>
-            <a:r>
-              <a:rPr lang="en-US" altLang="zh-CN" dirty="0" err="1" smtClean="0"/>
-              <a:t>epedencies</a:t>
-            </a:r>
-            <a:endParaRPr lang="en-US" altLang="zh-CN" dirty="0" smtClean="0"/>
-          </a:p>
-          <a:p>
-            <a:r>
-              <a:rPr lang="en-US" dirty="0"/>
-              <a:t>o</a:t>
-            </a:r>
-            <a:r>
-              <a:rPr lang="en-US" dirty="0" smtClean="0"/>
-              <a:t>utput</a:t>
-            </a:r>
-          </a:p>
-          <a:p>
-            <a:r>
-              <a:rPr lang="en-US" dirty="0" err="1" smtClean="0"/>
-              <a:t>spmConfig</a:t>
-            </a:r>
-            <a:endParaRPr lang="en-US" dirty="0"/>
-          </a:p>
-        </p:txBody>
-      </p:sp>
+      <p:pic>
+        <p:nvPicPr>
+          <p:cNvPr id="4" name="Picture 3"/>
+          <p:cNvPicPr>
+            <a:picLocks noChangeAspect="1"/>
+          </p:cNvPicPr>
+          <p:nvPr/>
+        </p:nvPicPr>
+        <p:blipFill>
+          <a:blip r:embed="rId2"/>
+          <a:stretch>
+            <a:fillRect/>
+          </a:stretch>
+        </p:blipFill>
+        <p:spPr>
+          <a:xfrm>
+            <a:off x="0" y="1236227"/>
+            <a:ext cx="9144000" cy="5446965"/>
+          </a:xfrm>
+          <a:prstGeom prst="rect">
+            <a:avLst/>
+          </a:prstGeom>
+        </p:spPr>
+      </p:pic>
     </p:spTree>
     <p:extLst>
       <p:ext uri="{BB962C8B-B14F-4D97-AF65-F5344CB8AC3E}">
-        <p14:creationId xmlns:p14="http://schemas.microsoft.com/office/powerpoint/2010/main" val="3150263349"/>
+        <p14:creationId xmlns:p14="http://schemas.microsoft.com/office/powerpoint/2010/main" val="2718165918"/>
       </p:ext>
     </p:extLst>
   </p:cSld>
@@ -4667,8 +4652,8 @@
         </p:blipFill>
         <p:spPr>
           <a:xfrm>
-            <a:off x="77751" y="2267643"/>
-            <a:ext cx="9144000" cy="2666629"/>
+            <a:off x="220298" y="3137098"/>
+            <a:ext cx="9144000" cy="1866576"/>
           </a:xfrm>
           <a:prstGeom prst="rect">
             <a:avLst/>
@@ -4678,7 +4663,7 @@
     </p:spTree>
     <p:extLst>
       <p:ext uri="{BB962C8B-B14F-4D97-AF65-F5344CB8AC3E}">
-        <p14:creationId xmlns:p14="http://schemas.microsoft.com/office/powerpoint/2010/main" val="1730782604"/>
+        <p14:creationId xmlns:p14="http://schemas.microsoft.com/office/powerpoint/2010/main" val="1871542999"/>
       </p:ext>
     </p:extLst>
   </p:cSld>
@@ -4722,7 +4707,7 @@
           <a:p>
             <a:r>
               <a:rPr lang="en-US" dirty="0" smtClean="0"/>
-              <a:t>output</a:t>
+              <a:t>dependencies</a:t>
             </a:r>
             <a:endParaRPr lang="en-US" dirty="0"/>
           </a:p>
@@ -4744,80 +4729,18 @@
         </p:blipFill>
         <p:spPr>
           <a:xfrm>
-            <a:off x="0" y="2305209"/>
-            <a:ext cx="9144000" cy="1603744"/>
+            <a:off x="77751" y="2267643"/>
+            <a:ext cx="9144000" cy="2666629"/>
           </a:xfrm>
           <a:prstGeom prst="rect">
             <a:avLst/>
           </a:prstGeom>
         </p:spPr>
       </p:pic>
-      <p:sp>
-        <p:nvSpPr>
-          <p:cNvPr id="5" name="TextBox 4"/>
-          <p:cNvSpPr txBox="1"/>
-          <p:nvPr/>
-        </p:nvSpPr>
-        <p:spPr>
-          <a:xfrm>
-            <a:off x="2293694" y="6180947"/>
-            <a:ext cx="5698996" cy="369332"/>
-          </a:xfrm>
-          <a:prstGeom prst="rect">
-            <a:avLst/>
-          </a:prstGeom>
-          <a:noFill/>
-        </p:spPr>
-        <p:txBody>
-          <a:bodyPr wrap="none" rtlCol="0">
-            <a:spAutoFit/>
-          </a:bodyPr>
-          <a:lstStyle/>
-          <a:p>
-            <a:r>
-              <a:rPr lang="cs-CZ" dirty="0"/>
-              <a:t>https://</a:t>
-            </a:r>
-            <a:r>
-              <a:rPr lang="cs-CZ" dirty="0" err="1"/>
-              <a:t>github.com</a:t>
-            </a:r>
-            <a:r>
-              <a:rPr lang="cs-CZ" dirty="0"/>
-              <a:t>/</a:t>
-            </a:r>
-            <a:r>
-              <a:rPr lang="cs-CZ" dirty="0" err="1"/>
-              <a:t>spmjs</a:t>
-            </a:r>
-            <a:r>
-              <a:rPr lang="cs-CZ" dirty="0"/>
-              <a:t>/</a:t>
-            </a:r>
-            <a:r>
-              <a:rPr lang="cs-CZ" dirty="0" err="1"/>
-              <a:t>spm</a:t>
-            </a:r>
-            <a:r>
-              <a:rPr lang="cs-CZ" dirty="0"/>
-              <a:t>/wiki/</a:t>
-            </a:r>
-            <a:r>
-              <a:rPr lang="cs-CZ" dirty="0" err="1"/>
-              <a:t>package.json</a:t>
-            </a:r>
-            <a:r>
-              <a:rPr lang="cs-CZ" dirty="0"/>
-              <a:t>-:-output</a:t>
-            </a:r>
-            <a:endParaRPr lang="en-US" dirty="0"/>
-          </a:p>
-        </p:txBody>
-      </p:sp>
     </p:spTree>
     <p:extLst>
       <p:ext uri="{BB962C8B-B14F-4D97-AF65-F5344CB8AC3E}">
-        <p14:creationId xmlns:p14="http://schemas.microsoft.com/office/powerpoint/2010/main" val="2181656029"/>
+        <p14:creationId xmlns:p14="http://schemas.microsoft.com/office/powerpoint/2010/main" val="1730782604"/>
       </p:ext>
     </p:extLst>
   </p:cSld>
@@ -4860,8 +4783,8 @@
           <a:lstStyle/>
           <a:p>
             <a:r>
-              <a:rPr lang="en-US" dirty="0" err="1" smtClean="0"/>
-              <a:t>spmConfig</a:t>
+              <a:rPr lang="en-US" dirty="0" smtClean="0"/>
+              <a:t>output</a:t>
             </a:r>
             <a:endParaRPr lang="en-US" dirty="0"/>
           </a:p>
@@ -4883,8 +4806,8 @@
         </p:blipFill>
         <p:spPr>
           <a:xfrm>
-            <a:off x="0" y="2101691"/>
-            <a:ext cx="9144000" cy="3256433"/>
+            <a:off x="0" y="2305209"/>
+            <a:ext cx="9144000" cy="1603744"/>
           </a:xfrm>
           <a:prstGeom prst="rect">
             <a:avLst/>
@@ -4893,14 +4816,14 @@
       </p:pic>
       <p:sp>
         <p:nvSpPr>
-          <p:cNvPr id="6" name="TextBox 5"/>
+          <p:cNvPr id="5" name="TextBox 4"/>
           <p:cNvSpPr txBox="1"/>
           <p:nvPr/>
         </p:nvSpPr>
         <p:spPr>
           <a:xfrm>
-            <a:off x="2280735" y="6245736"/>
-            <a:ext cx="6049928" cy="369332"/>
+            <a:off x="2293694" y="6180947"/>
+            <a:ext cx="5698996" cy="369332"/>
           </a:xfrm>
           <a:prstGeom prst="rect">
             <a:avLst/>
@@ -4947,11 +4870,7 @@
             </a:r>
             <a:r>
               <a:rPr lang="cs-CZ" dirty="0"/>
-              <a:t>-:-</a:t>
-            </a:r>
-            <a:r>
-              <a:rPr lang="cs-CZ" dirty="0" err="1"/>
-              <a:t>spmConfig</a:t>
+              <a:t>-:-output</a:t>
             </a:r>
             <a:endParaRPr lang="en-US" dirty="0"/>
           </a:p>
@@ -4960,7 +4879,7 @@
     </p:spTree>
     <p:extLst>
       <p:ext uri="{BB962C8B-B14F-4D97-AF65-F5344CB8AC3E}">
-        <p14:creationId xmlns:p14="http://schemas.microsoft.com/office/powerpoint/2010/main" val="947099410"/>
+        <p14:creationId xmlns:p14="http://schemas.microsoft.com/office/powerpoint/2010/main" val="2181656029"/>
       </p:ext>
     </p:extLst>
   </p:cSld>
@@ -5003,131 +4922,47 @@
           <a:lstStyle/>
           <a:p>
             <a:r>
-              <a:rPr lang="en-US" dirty="0" smtClean="0"/>
-              <a:t>配置加载顺序</a:t>
+              <a:rPr lang="en-US" dirty="0" err="1" smtClean="0"/>
+              <a:t>spmConfig</a:t>
             </a:r>
             <a:endParaRPr lang="en-US" dirty="0"/>
           </a:p>
         </p:txBody>
       </p:sp>
-      <p:sp>
-        <p:nvSpPr>
-          <p:cNvPr id="3" name="Content Placeholder 2"/>
-          <p:cNvSpPr>
-            <a:spLocks noGrp="1"/>
-          </p:cNvSpPr>
-          <p:nvPr>
-            <p:ph idx="1"/>
-          </p:nvPr>
-        </p:nvSpPr>
-        <p:spPr/>
-        <p:txBody>
-          <a:bodyPr/>
-          <a:lstStyle/>
-          <a:p>
-            <a:r>
-              <a:rPr lang="zh-TW" altLang="en-US" dirty="0"/>
-              <a:t>模块配置</a:t>
-            </a:r>
-            <a:r>
-              <a:rPr lang="en-US" altLang="zh-TW" dirty="0"/>
-              <a:t>(module/</a:t>
-            </a:r>
-            <a:r>
-              <a:rPr lang="en-US" altLang="zh-TW" dirty="0" err="1"/>
-              <a:t>package.json</a:t>
-            </a:r>
-            <a:r>
-              <a:rPr lang="en-US" altLang="zh-TW" dirty="0" smtClean="0"/>
-              <a:t>)</a:t>
-            </a:r>
-          </a:p>
-          <a:p>
-            <a:r>
-              <a:rPr lang="en-US" altLang="zh-TW" dirty="0"/>
-              <a:t>parent (</a:t>
-            </a:r>
-            <a:r>
-              <a:rPr lang="zh-TW" altLang="en-US" dirty="0"/>
-              <a:t>如果用户配置 </a:t>
-            </a:r>
-            <a:r>
-              <a:rPr lang="en-US" altLang="zh-TW" dirty="0"/>
-              <a:t>parent)</a:t>
-            </a:r>
-          </a:p>
-          <a:p>
-            <a:r>
-              <a:rPr lang="zh-TW" altLang="en-US" dirty="0"/>
-              <a:t>用户配置 </a:t>
-            </a:r>
-            <a:r>
-              <a:rPr lang="en-US" altLang="zh-TW" dirty="0"/>
-              <a:t>(~/.</a:t>
-            </a:r>
-            <a:r>
-              <a:rPr lang="en-US" altLang="zh-TW" dirty="0" err="1"/>
-              <a:t>spm</a:t>
-            </a:r>
-            <a:r>
-              <a:rPr lang="en-US" altLang="zh-TW" dirty="0"/>
-              <a:t>/</a:t>
-            </a:r>
-            <a:r>
-              <a:rPr lang="en-US" altLang="zh-TW" dirty="0" err="1"/>
-              <a:t>config.json</a:t>
-            </a:r>
-            <a:r>
-              <a:rPr lang="en-US" altLang="zh-TW" dirty="0"/>
-              <a:t>)</a:t>
-            </a:r>
-          </a:p>
-          <a:p>
-            <a:r>
-              <a:rPr lang="zh-TW" altLang="en-US" dirty="0"/>
-              <a:t>源配置</a:t>
-            </a:r>
-            <a:r>
-              <a:rPr lang="en-US" altLang="zh-TW" dirty="0"/>
-              <a:t>(</a:t>
-            </a:r>
-            <a:r>
-              <a:rPr lang="zh-TW" altLang="en-US" dirty="0"/>
-              <a:t>如果有多个会依次加载</a:t>
-            </a:r>
-            <a:r>
-              <a:rPr lang="en-US" altLang="zh-TW" dirty="0"/>
-              <a:t>)</a:t>
-            </a:r>
-          </a:p>
-          <a:p>
-            <a:endParaRPr lang="en-US" altLang="zh-TW" dirty="0"/>
-          </a:p>
-          <a:p>
-            <a:endParaRPr lang="en-US" altLang="zh-CN" dirty="0" smtClean="0"/>
-          </a:p>
-          <a:p>
-            <a:endParaRPr lang="en-US" dirty="0"/>
-          </a:p>
-        </p:txBody>
-      </p:sp>
+      <p:pic>
+        <p:nvPicPr>
+          <p:cNvPr id="4" name="Picture 3"/>
+          <p:cNvPicPr>
+            <a:picLocks noChangeAspect="1"/>
+          </p:cNvPicPr>
+          <p:nvPr/>
+        </p:nvPicPr>
+        <p:blipFill>
+          <a:blip r:embed="rId2"/>
+          <a:stretch>
+            <a:fillRect/>
+          </a:stretch>
+        </p:blipFill>
+        <p:spPr>
+          <a:xfrm>
+            <a:off x="142546" y="1981398"/>
+            <a:ext cx="9144000" cy="4176532"/>
+          </a:xfrm>
+          <a:prstGeom prst="rect">
+            <a:avLst/>
+          </a:prstGeom>
+        </p:spPr>
+      </p:pic>
     </p:spTree>
     <p:extLst>
       <p:ext uri="{BB962C8B-B14F-4D97-AF65-F5344CB8AC3E}">
-        <p14:creationId xmlns:p14="http://schemas.microsoft.com/office/powerpoint/2010/main" val="1140678903"/>
+        <p14:creationId xmlns:p14="http://schemas.microsoft.com/office/powerpoint/2010/main" val="401437411"/>
       </p:ext>
     </p:extLst>
   </p:cSld>
   <p:clrMapOvr>
     <a:masterClrMapping/>
   </p:clrMapOvr>
-  <p:timing>
-    <p:tnLst>
-      <p:par>
-        <p:cTn xmlns:p14="http://schemas.microsoft.com/office/powerpoint/2010/main" id="1" dur="indefinite" restart="never" nodeType="tmRoot"/>
-      </p:par>
-    </p:tnLst>
-  </p:timing>
 </p:sld>
 </file>
 
@@ -5165,7 +5000,7 @@
           <a:p>
             <a:r>
               <a:rPr lang="en-US" dirty="0" smtClean="0"/>
-              <a:t>配置覆盖策略</a:t>
+              <a:t>配置加载顺序</a:t>
             </a:r>
             <a:endParaRPr lang="en-US" dirty="0"/>
           </a:p>
@@ -5188,46 +5023,84 @@
           <a:p>
             <a:r>
               <a:rPr lang="zh-TW" altLang="en-US" dirty="0"/>
-              <a:t> 最先加载的优先级最高</a:t>
+              <a:t>模块配置</a:t>
             </a:r>
             <a:r>
               <a:rPr lang="en-US" altLang="zh-TW" dirty="0"/>
-              <a:t>, </a:t>
+              <a:t>(module/</a:t>
+            </a:r>
+            <a:r>
+              <a:rPr lang="en-US" altLang="zh-TW" dirty="0" err="1"/>
+              <a:t>package.json</a:t>
+            </a:r>
+            <a:r>
+              <a:rPr lang="en-US" altLang="zh-TW" dirty="0" smtClean="0"/>
+              <a:t>)</a:t>
+            </a:r>
+          </a:p>
+          <a:p>
+            <a:r>
+              <a:rPr lang="en-US" altLang="zh-TW" dirty="0"/>
+              <a:t>parent (</a:t>
             </a:r>
             <a:r>
               <a:rPr lang="zh-TW" altLang="en-US" dirty="0"/>
-              <a:t>相同 </a:t>
+              <a:t>如果用户配置 </a:t>
             </a:r>
             <a:r>
               <a:rPr lang="en-US" altLang="zh-TW" dirty="0"/>
-              <a:t>key </a:t>
-            </a:r>
-            <a:r>
-              <a:rPr lang="zh-TW" altLang="en-US" dirty="0" smtClean="0"/>
-              <a:t>值不会被覆盖</a:t>
-            </a:r>
-            <a:endParaRPr lang="en-US" altLang="zh-TW" dirty="0" smtClean="0"/>
+              <a:t>parent)</a:t>
+            </a:r>
           </a:p>
           <a:p>
             <a:r>
               <a:rPr lang="zh-TW" altLang="en-US" dirty="0"/>
-              <a:t>如果 </a:t>
+              <a:t>用户配置 </a:t>
             </a:r>
             <a:r>
               <a:rPr lang="en-US" altLang="zh-TW" dirty="0"/>
-              <a:t>value </a:t>
-            </a:r>
-            <a:r>
-              <a:rPr lang="zh-TW" altLang="en-US" dirty="0" smtClean="0"/>
-              <a:t>是对象会进行递归合并</a:t>
-            </a:r>
+              <a:t>(~/.</a:t>
+            </a:r>
+            <a:r>
+              <a:rPr lang="en-US" altLang="zh-TW" dirty="0" err="1"/>
+              <a:t>spm</a:t>
+            </a:r>
+            <a:r>
+              <a:rPr lang="en-US" altLang="zh-TW" dirty="0"/>
+              <a:t>/</a:t>
+            </a:r>
+            <a:r>
+              <a:rPr lang="en-US" altLang="zh-TW" dirty="0" err="1"/>
+              <a:t>config.json</a:t>
+            </a:r>
+            <a:r>
+              <a:rPr lang="en-US" altLang="zh-TW" dirty="0"/>
+              <a:t>)</a:t>
+            </a:r>
+          </a:p>
+          <a:p>
+            <a:r>
+              <a:rPr lang="zh-TW" altLang="en-US" dirty="0"/>
+              <a:t>源配置</a:t>
+            </a:r>
+            <a:r>
+              <a:rPr lang="en-US" altLang="zh-TW" dirty="0"/>
+              <a:t>(</a:t>
+            </a:r>
+            <a:r>
+              <a:rPr lang="zh-TW" altLang="en-US" dirty="0"/>
+              <a:t>如果有多个会依次加载</a:t>
+            </a:r>
+            <a:r>
+              <a:rPr lang="en-US" altLang="zh-TW" dirty="0"/>
+              <a:t>)</a:t>
+            </a:r>
+          </a:p>
+          <a:p>
             <a:endParaRPr lang="en-US" altLang="zh-TW" dirty="0"/>
           </a:p>
           <a:p>
-            <a:r>
-              <a:rPr lang="zh-TW" altLang="en-US" dirty="0"/>
-              <a:t>数组合并，会把后面的内容，依次添加到数组中。</a:t>
-            </a:r>
+            <a:endParaRPr lang="en-US" altLang="zh-CN" dirty="0" smtClean="0"/>
           </a:p>
           <a:p>
             <a:endParaRPr lang="en-US" dirty="0"/>
@@ -5237,7 +5110,7 @@
     </p:spTree>
     <p:extLst>
       <p:ext uri="{BB962C8B-B14F-4D97-AF65-F5344CB8AC3E}">
-        <p14:creationId xmlns:p14="http://schemas.microsoft.com/office/powerpoint/2010/main" val="2222699720"/>
+        <p14:creationId xmlns:p14="http://schemas.microsoft.com/office/powerpoint/2010/main" val="1140678903"/>
       </p:ext>
     </p:extLst>
   </p:cSld>
@@ -5288,7 +5161,7 @@
           <a:p>
             <a:r>
               <a:rPr lang="en-US" dirty="0" smtClean="0"/>
-              <a:t>总结</a:t>
+              <a:t>配置覆盖策略</a:t>
             </a:r>
             <a:endParaRPr lang="en-US" dirty="0"/>
           </a:p>
@@ -5304,27 +5177,55 @@
             <p:ph idx="1"/>
           </p:nvPr>
         </p:nvSpPr>
-        <p:spPr>
-          <a:xfrm>
-            <a:off x="457200" y="2727543"/>
-            <a:ext cx="8229600" cy="4525963"/>
-          </a:xfrm>
-        </p:spPr>
-        <p:txBody>
-          <a:bodyPr/>
-          <a:lstStyle/>
-          <a:p>
-            <a:r>
-              <a:rPr lang="zh-CN" altLang="en-US" dirty="0" smtClean="0"/>
-              <a:t>配置文件的种类</a:t>
-            </a:r>
-            <a:endParaRPr lang="en-US" altLang="zh-CN" dirty="0" smtClean="0"/>
-          </a:p>
-          <a:p>
-            <a:r>
-              <a:rPr lang="zh-CN" altLang="en-US" dirty="0" smtClean="0"/>
-              <a:t>配置文件主要配置属性</a:t>
-            </a:r>
+        <p:spPr/>
+        <p:txBody>
+          <a:bodyPr/>
+          <a:lstStyle/>
+          <a:p>
+            <a:r>
+              <a:rPr lang="zh-TW" altLang="en-US" dirty="0"/>
+              <a:t> 最先加载的优先级最高</a:t>
+            </a:r>
+            <a:r>
+              <a:rPr lang="en-US" altLang="zh-TW" dirty="0"/>
+              <a:t>, </a:t>
+            </a:r>
+            <a:r>
+              <a:rPr lang="zh-TW" altLang="en-US" dirty="0"/>
+              <a:t>相同 </a:t>
+            </a:r>
+            <a:r>
+              <a:rPr lang="en-US" altLang="zh-TW" dirty="0"/>
+              <a:t>key </a:t>
+            </a:r>
+            <a:r>
+              <a:rPr lang="zh-TW" altLang="en-US" dirty="0" smtClean="0"/>
+              <a:t>值不会被覆盖</a:t>
+            </a:r>
+            <a:endParaRPr lang="en-US" altLang="zh-TW" dirty="0" smtClean="0"/>
+          </a:p>
+          <a:p>
+            <a:r>
+              <a:rPr lang="zh-TW" altLang="en-US" dirty="0"/>
+              <a:t>如果 </a:t>
+            </a:r>
+            <a:r>
+              <a:rPr lang="en-US" altLang="zh-TW" dirty="0"/>
+              <a:t>value </a:t>
+            </a:r>
+            <a:r>
+              <a:rPr lang="zh-TW" altLang="en-US" dirty="0" smtClean="0"/>
+              <a:t>是对象会进行递归合并</a:t>
+            </a:r>
+            <a:endParaRPr lang="en-US" altLang="zh-TW" dirty="0"/>
+          </a:p>
+          <a:p>
+            <a:r>
+              <a:rPr lang="zh-TW" altLang="en-US" dirty="0"/>
+              <a:t>数组合并，会把后面的内容，依次添加到数组中。</a:t>
+            </a:r>
+          </a:p>
+          <a:p>
             <a:endParaRPr lang="en-US" dirty="0"/>
           </a:p>
         </p:txBody>
@@ -5332,13 +5233,20 @@
     </p:spTree>
     <p:extLst>
       <p:ext uri="{BB962C8B-B14F-4D97-AF65-F5344CB8AC3E}">
-        <p14:creationId xmlns:p14="http://schemas.microsoft.com/office/powerpoint/2010/main" val="4216341904"/>
+        <p14:creationId xmlns:p14="http://schemas.microsoft.com/office/powerpoint/2010/main" val="2222699720"/>
       </p:ext>
     </p:extLst>
   </p:cSld>
   <p:clrMapOvr>
     <a:masterClrMapping/>
   </p:clrMapOvr>
+  <p:timing>
+    <p:tnLst>
+      <p:par>
+        <p:cTn xmlns:p14="http://schemas.microsoft.com/office/powerpoint/2010/main" id="1" dur="indefinite" restart="never" nodeType="tmRoot"/>
+      </p:par>
+    </p:tnLst>
+  </p:timing>
 </p:sld>
 </file>
 
@@ -5376,6 +5284,94 @@
           <a:p>
             <a:r>
               <a:rPr lang="en-US" dirty="0" smtClean="0"/>
+              <a:t>总结</a:t>
+            </a:r>
+            <a:endParaRPr lang="en-US" dirty="0"/>
+          </a:p>
+        </p:txBody>
+      </p:sp>
+      <p:sp>
+        <p:nvSpPr>
+          <p:cNvPr id="3" name="Content Placeholder 2"/>
+          <p:cNvSpPr>
+            <a:spLocks noGrp="1"/>
+          </p:cNvSpPr>
+          <p:nvPr>
+            <p:ph idx="1"/>
+          </p:nvPr>
+        </p:nvSpPr>
+        <p:spPr>
+          <a:xfrm>
+            <a:off x="457200" y="2727543"/>
+            <a:ext cx="8229600" cy="4525963"/>
+          </a:xfrm>
+        </p:spPr>
+        <p:txBody>
+          <a:bodyPr/>
+          <a:lstStyle/>
+          <a:p>
+            <a:r>
+              <a:rPr lang="zh-CN" altLang="en-US" dirty="0" smtClean="0"/>
+              <a:t>配置文件的种类</a:t>
+            </a:r>
+            <a:endParaRPr lang="en-US" altLang="zh-CN" dirty="0" smtClean="0"/>
+          </a:p>
+          <a:p>
+            <a:r>
+              <a:rPr lang="zh-CN" altLang="en-US" dirty="0" smtClean="0"/>
+              <a:t>配置文件主要配置属性</a:t>
+            </a:r>
+            <a:endParaRPr lang="en-US" dirty="0"/>
+          </a:p>
+        </p:txBody>
+      </p:sp>
+    </p:spTree>
+    <p:extLst>
+      <p:ext uri="{BB962C8B-B14F-4D97-AF65-F5344CB8AC3E}">
+        <p14:creationId xmlns:p14="http://schemas.microsoft.com/office/powerpoint/2010/main" val="4216341904"/>
+      </p:ext>
+    </p:extLst>
+  </p:cSld>
+  <p:clrMapOvr>
+    <a:masterClrMapping/>
+  </p:clrMapOvr>
+</p:sld>
+</file>
+
+<file path=ppt/slides/slide27.xml><?xml version="1.0" encoding="utf-8"?>
+<p:sld xmlns:a="http://schemas.openxmlformats.org/drawingml/2006/main" xmlns:r="http://schemas.openxmlformats.org/officeDocument/2006/relationships" xmlns:p="http://schemas.openxmlformats.org/presentationml/2006/main">
+  <p:cSld>
+    <p:spTree>
+      <p:nvGrpSpPr>
+        <p:cNvPr id="1" name=""/>
+        <p:cNvGrpSpPr/>
+        <p:nvPr/>
+      </p:nvGrpSpPr>
+      <p:grpSpPr>
+        <a:xfrm>
+          <a:off x="0" y="0"/>
+          <a:ext cx="0" cy="0"/>
+          <a:chOff x="0" y="0"/>
+          <a:chExt cx="0" cy="0"/>
+        </a:xfrm>
+      </p:grpSpPr>
+      <p:sp>
+        <p:nvSpPr>
+          <p:cNvPr id="2" name="Title 1"/>
+          <p:cNvSpPr>
+            <a:spLocks noGrp="1"/>
+          </p:cNvSpPr>
+          <p:nvPr>
+            <p:ph type="title"/>
+          </p:nvPr>
+        </p:nvSpPr>
+        <p:spPr/>
+        <p:txBody>
+          <a:bodyPr/>
+          <a:lstStyle/>
+          <a:p>
+            <a:r>
+              <a:rPr lang="en-US" dirty="0" smtClean="0"/>
               <a:t>什么是源</a:t>
             </a:r>
             <a:endParaRPr lang="en-US" dirty="0"/>
@@ -5442,7 +5438,7 @@
 </p:sld>
 </file>
 
-<file path=ppt/slides/slide27.xml><?xml version="1.0" encoding="utf-8"?>
+<file path=ppt/slides/slide28.xml><?xml version="1.0" encoding="utf-8"?>
 <p:sld xmlns:a="http://schemas.openxmlformats.org/drawingml/2006/main" xmlns:r="http://schemas.openxmlformats.org/officeDocument/2006/relationships" xmlns:p="http://schemas.openxmlformats.org/presentationml/2006/main">
   <p:cSld>
     <p:spTree>
@@ -5558,126 +5554,6 @@
 </p:sld>
 </file>
 
-<file path=ppt/slides/slide28.xml><?xml version="1.0" encoding="utf-8"?>
-<p:sld xmlns:a="http://schemas.openxmlformats.org/drawingml/2006/main" xmlns:r="http://schemas.openxmlformats.org/officeDocument/2006/relationships" xmlns:p="http://schemas.openxmlformats.org/presentationml/2006/main">
-  <p:cSld>
-    <p:spTree>
-      <p:nvGrpSpPr>
-        <p:cNvPr id="1" name=""/>
-        <p:cNvGrpSpPr/>
-        <p:nvPr/>
-      </p:nvGrpSpPr>
-      <p:grpSpPr>
-        <a:xfrm>
-          <a:off x="0" y="0"/>
-          <a:ext cx="0" cy="0"/>
-          <a:chOff x="0" y="0"/>
-          <a:chExt cx="0" cy="0"/>
-        </a:xfrm>
-      </p:grpSpPr>
-      <p:sp>
-        <p:nvSpPr>
-          <p:cNvPr id="2" name="Title 1"/>
-          <p:cNvSpPr>
-            <a:spLocks noGrp="1"/>
-          </p:cNvSpPr>
-          <p:nvPr>
-            <p:ph type="title"/>
-          </p:nvPr>
-        </p:nvSpPr>
-        <p:spPr/>
-        <p:txBody>
-          <a:bodyPr/>
-          <a:lstStyle/>
-          <a:p>
-            <a:r>
-              <a:rPr lang="en-US" dirty="0" err="1"/>
-              <a:t>s</a:t>
-            </a:r>
-            <a:r>
-              <a:rPr lang="en-US" dirty="0" err="1" smtClean="0"/>
-              <a:t>pm</a:t>
-            </a:r>
-            <a:r>
-              <a:rPr lang="en-US" dirty="0" smtClean="0"/>
-              <a:t> 核心功能</a:t>
-            </a:r>
-            <a:endParaRPr lang="en-US" dirty="0"/>
-          </a:p>
-        </p:txBody>
-      </p:sp>
-      <p:sp>
-        <p:nvSpPr>
-          <p:cNvPr id="3" name="Content Placeholder 2"/>
-          <p:cNvSpPr>
-            <a:spLocks noGrp="1"/>
-          </p:cNvSpPr>
-          <p:nvPr>
-            <p:ph idx="1"/>
-          </p:nvPr>
-        </p:nvSpPr>
-        <p:spPr/>
-        <p:txBody>
-          <a:bodyPr/>
-          <a:lstStyle/>
-          <a:p>
-            <a:r>
-              <a:rPr lang="en-US" dirty="0" err="1"/>
-              <a:t>s</a:t>
-            </a:r>
-            <a:r>
-              <a:rPr lang="en-US" dirty="0" err="1" smtClean="0"/>
-              <a:t>pm</a:t>
-            </a:r>
-            <a:r>
-              <a:rPr lang="en-US" dirty="0" smtClean="0"/>
-              <a:t> build</a:t>
-            </a:r>
-          </a:p>
-          <a:p>
-            <a:r>
-              <a:rPr lang="en-US" dirty="0" err="1"/>
-              <a:t>s</a:t>
-            </a:r>
-            <a:r>
-              <a:rPr lang="en-US" dirty="0" err="1" smtClean="0"/>
-              <a:t>pm</a:t>
-            </a:r>
-            <a:r>
-              <a:rPr lang="en-US" dirty="0" smtClean="0"/>
-              <a:t> upload</a:t>
-            </a:r>
-          </a:p>
-          <a:p>
-            <a:r>
-              <a:rPr lang="en-US" dirty="0" err="1"/>
-              <a:t>s</a:t>
-            </a:r>
-            <a:r>
-              <a:rPr lang="en-US" dirty="0" err="1" smtClean="0"/>
-              <a:t>pm</a:t>
-            </a:r>
-            <a:r>
-              <a:rPr lang="en-US" dirty="0" smtClean="0"/>
-              <a:t> deploy</a:t>
-            </a:r>
-            <a:endParaRPr lang="en-US" dirty="0"/>
-          </a:p>
-        </p:txBody>
-      </p:sp>
-    </p:spTree>
-    <p:extLst>
-      <p:ext uri="{BB962C8B-B14F-4D97-AF65-F5344CB8AC3E}">
-        <p14:creationId xmlns:p14="http://schemas.microsoft.com/office/powerpoint/2010/main" val="366221707"/>
-      </p:ext>
-    </p:extLst>
-  </p:cSld>
-  <p:clrMapOvr>
-    <a:masterClrMapping/>
-  </p:clrMapOvr>
-</p:sld>
-</file>
-
 <file path=ppt/slides/slide29.xml><?xml version="1.0" encoding="utf-8"?>
 <p:sld xmlns:a="http://schemas.openxmlformats.org/drawingml/2006/main" xmlns:r="http://schemas.openxmlformats.org/officeDocument/2006/relationships" xmlns:p="http://schemas.openxmlformats.org/presentationml/2006/main">
   <p:cSld>
@@ -5711,7 +5587,7 @@
           <a:lstStyle/>
           <a:p>
             <a:r>
-              <a:rPr lang="en-US" altLang="zh-CN" dirty="0" err="1" smtClean="0"/>
+              <a:rPr lang="en-US" dirty="0" err="1"/>
               <a:t>s</a:t>
             </a:r>
             <a:r>
@@ -5720,7 +5596,7 @@
             </a:r>
             <a:r>
               <a:rPr lang="en-US" dirty="0" smtClean="0"/>
-              <a:t> 辅助功能</a:t>
+              <a:t> 核心功能</a:t>
             </a:r>
             <a:endParaRPr lang="en-US" dirty="0"/>
           </a:p>
@@ -5740,21 +5616,6 @@
         <p:txBody>
           <a:bodyPr/>
           <a:lstStyle/>
-          <a:p>
-            <a:r>
-              <a:rPr lang="en-US" dirty="0" err="1" smtClean="0"/>
-              <a:t>spm</a:t>
-            </a:r>
-            <a:r>
-              <a:rPr lang="en-US" dirty="0" smtClean="0"/>
-              <a:t> </a:t>
-            </a:r>
-            <a:r>
-              <a:rPr lang="en-US" dirty="0" err="1" smtClean="0"/>
-              <a:t>init</a:t>
-            </a:r>
-            <a:endParaRPr lang="en-US" dirty="0" smtClean="0"/>
-          </a:p>
           <a:p>
             <a:r>
               <a:rPr lang="en-US" dirty="0" err="1"/>
@@ -5766,7 +5627,7 @@
             </a:r>
             <a:r>
               <a:rPr lang="en-US" dirty="0" smtClean="0"/>
-              <a:t> install</a:t>
+              <a:t> build</a:t>
             </a:r>
           </a:p>
           <a:p>
@@ -5780,7 +5641,7 @@
             </a:r>
             <a:r>
               <a:rPr lang="en-US" dirty="0" smtClean="0"/>
-              <a:t> transport</a:t>
+              <a:t> upload</a:t>
             </a:r>
           </a:p>
           <a:p>
@@ -5794,41 +5655,8 @@
             </a:r>
             <a:r>
               <a:rPr lang="en-US" dirty="0" smtClean="0"/>
-              <a:t> search</a:t>
-            </a:r>
-          </a:p>
-          <a:p>
-            <a:r>
-              <a:rPr lang="en-US" dirty="0" err="1"/>
-              <a:t>s</a:t>
-            </a:r>
-            <a:r>
-              <a:rPr lang="en-US" dirty="0" err="1" smtClean="0"/>
-              <a:t>pm</a:t>
-            </a:r>
-            <a:r>
-              <a:rPr lang="en-US" dirty="0" smtClean="0"/>
-              <a:t> lint</a:t>
-            </a:r>
-          </a:p>
-          <a:p>
-            <a:r>
-              <a:rPr lang="en-US" dirty="0" err="1"/>
-              <a:t>s</a:t>
-            </a:r>
-            <a:r>
-              <a:rPr lang="en-US" dirty="0" err="1" smtClean="0"/>
-              <a:t>pm</a:t>
-            </a:r>
-            <a:r>
-              <a:rPr lang="en-US" dirty="0" smtClean="0"/>
-              <a:t> min</a:t>
-            </a:r>
-          </a:p>
-          <a:p>
-            <a:pPr marL="0" indent="0">
-              <a:buNone/>
-            </a:pPr>
+              <a:t> deploy</a:t>
+            </a:r>
             <a:endParaRPr lang="en-US" dirty="0"/>
           </a:p>
         </p:txBody>
@@ -5836,7 +5664,7 @@
     </p:spTree>
     <p:extLst>
       <p:ext uri="{BB962C8B-B14F-4D97-AF65-F5344CB8AC3E}">
-        <p14:creationId xmlns:p14="http://schemas.microsoft.com/office/powerpoint/2010/main" val="1077693232"/>
+        <p14:creationId xmlns:p14="http://schemas.microsoft.com/office/powerpoint/2010/main" val="366221707"/>
       </p:ext>
     </p:extLst>
   </p:cSld>
@@ -5968,6 +5796,339 @@
           <a:lstStyle/>
           <a:p>
             <a:r>
+              <a:rPr lang="en-US" altLang="zh-CN" dirty="0" err="1" smtClean="0"/>
+              <a:t>s</a:t>
+            </a:r>
+            <a:r>
+              <a:rPr lang="en-US" dirty="0" err="1" smtClean="0"/>
+              <a:t>pm</a:t>
+            </a:r>
+            <a:r>
+              <a:rPr lang="en-US" dirty="0" smtClean="0"/>
+              <a:t> 辅助功能</a:t>
+            </a:r>
+            <a:endParaRPr lang="en-US" dirty="0"/>
+          </a:p>
+        </p:txBody>
+      </p:sp>
+      <p:sp>
+        <p:nvSpPr>
+          <p:cNvPr id="3" name="Content Placeholder 2"/>
+          <p:cNvSpPr>
+            <a:spLocks noGrp="1"/>
+          </p:cNvSpPr>
+          <p:nvPr>
+            <p:ph idx="1"/>
+          </p:nvPr>
+        </p:nvSpPr>
+        <p:spPr/>
+        <p:txBody>
+          <a:bodyPr/>
+          <a:lstStyle/>
+          <a:p>
+            <a:r>
+              <a:rPr lang="en-US" dirty="0" err="1" smtClean="0"/>
+              <a:t>spm</a:t>
+            </a:r>
+            <a:r>
+              <a:rPr lang="en-US" dirty="0" smtClean="0"/>
+              <a:t> </a:t>
+            </a:r>
+            <a:r>
+              <a:rPr lang="en-US" dirty="0" err="1" smtClean="0"/>
+              <a:t>init</a:t>
+            </a:r>
+            <a:endParaRPr lang="en-US" dirty="0" smtClean="0"/>
+          </a:p>
+          <a:p>
+            <a:r>
+              <a:rPr lang="en-US" dirty="0" err="1"/>
+              <a:t>s</a:t>
+            </a:r>
+            <a:r>
+              <a:rPr lang="en-US" dirty="0" err="1" smtClean="0"/>
+              <a:t>pm</a:t>
+            </a:r>
+            <a:r>
+              <a:rPr lang="en-US" dirty="0" smtClean="0"/>
+              <a:t> install</a:t>
+            </a:r>
+          </a:p>
+          <a:p>
+            <a:r>
+              <a:rPr lang="en-US" dirty="0" err="1" smtClean="0"/>
+              <a:t>spm</a:t>
+            </a:r>
+            <a:r>
+              <a:rPr lang="en-US" dirty="0" smtClean="0"/>
+              <a:t> </a:t>
+            </a:r>
+            <a:r>
+              <a:rPr lang="en-US" dirty="0" smtClean="0"/>
+              <a:t>search</a:t>
+            </a:r>
+          </a:p>
+          <a:p>
+            <a:r>
+              <a:rPr lang="en-US" dirty="0" err="1"/>
+              <a:t>s</a:t>
+            </a:r>
+            <a:r>
+              <a:rPr lang="en-US" dirty="0" err="1" smtClean="0"/>
+              <a:t>pm</a:t>
+            </a:r>
+            <a:r>
+              <a:rPr lang="en-US" dirty="0" smtClean="0"/>
+              <a:t> lint</a:t>
+            </a:r>
+          </a:p>
+          <a:p>
+            <a:r>
+              <a:rPr lang="en-US" dirty="0" err="1"/>
+              <a:t>s</a:t>
+            </a:r>
+            <a:r>
+              <a:rPr lang="en-US" dirty="0" err="1" smtClean="0"/>
+              <a:t>pm</a:t>
+            </a:r>
+            <a:r>
+              <a:rPr lang="en-US" dirty="0" smtClean="0"/>
+              <a:t> </a:t>
+            </a:r>
+            <a:r>
+              <a:rPr lang="en-US" dirty="0" smtClean="0"/>
+              <a:t>min</a:t>
+            </a:r>
+          </a:p>
+          <a:p>
+            <a:r>
+              <a:rPr lang="en-US" dirty="0" err="1"/>
+              <a:t>s</a:t>
+            </a:r>
+            <a:r>
+              <a:rPr lang="en-US" dirty="0" err="1" smtClean="0"/>
+              <a:t>pm</a:t>
+            </a:r>
+            <a:r>
+              <a:rPr lang="en-US" dirty="0" smtClean="0"/>
+              <a:t> </a:t>
+            </a:r>
+            <a:r>
+              <a:rPr lang="en-US" dirty="0" err="1" smtClean="0"/>
+              <a:t>seajs</a:t>
+            </a:r>
+            <a:r>
+              <a:rPr lang="en-US" dirty="0" smtClean="0"/>
+              <a:t> --</a:t>
+            </a:r>
+            <a:r>
+              <a:rPr lang="en-US" dirty="0" err="1" smtClean="0"/>
+              <a:t>config</a:t>
+            </a:r>
+            <a:endParaRPr lang="en-US" dirty="0" smtClean="0"/>
+          </a:p>
+        </p:txBody>
+      </p:sp>
+    </p:spTree>
+    <p:extLst>
+      <p:ext uri="{BB962C8B-B14F-4D97-AF65-F5344CB8AC3E}">
+        <p14:creationId xmlns:p14="http://schemas.microsoft.com/office/powerpoint/2010/main" val="1077693232"/>
+      </p:ext>
+    </p:extLst>
+  </p:cSld>
+  <p:clrMapOvr>
+    <a:masterClrMapping/>
+  </p:clrMapOvr>
+</p:sld>
+</file>
+
+<file path=ppt/slides/slide31.xml><?xml version="1.0" encoding="utf-8"?>
+<p:sld xmlns:a="http://schemas.openxmlformats.org/drawingml/2006/main" xmlns:r="http://schemas.openxmlformats.org/officeDocument/2006/relationships" xmlns:p="http://schemas.openxmlformats.org/presentationml/2006/main">
+  <p:cSld>
+    <p:spTree>
+      <p:nvGrpSpPr>
+        <p:cNvPr id="1" name=""/>
+        <p:cNvGrpSpPr/>
+        <p:nvPr/>
+      </p:nvGrpSpPr>
+      <p:grpSpPr>
+        <a:xfrm>
+          <a:off x="0" y="0"/>
+          <a:ext cx="0" cy="0"/>
+          <a:chOff x="0" y="0"/>
+          <a:chExt cx="0" cy="0"/>
+        </a:xfrm>
+      </p:grpSpPr>
+      <p:sp>
+        <p:nvSpPr>
+          <p:cNvPr id="2" name="Title 1"/>
+          <p:cNvSpPr>
+            <a:spLocks noGrp="1"/>
+          </p:cNvSpPr>
+          <p:nvPr>
+            <p:ph type="title"/>
+          </p:nvPr>
+        </p:nvSpPr>
+        <p:spPr/>
+        <p:txBody>
+          <a:bodyPr/>
+          <a:lstStyle/>
+          <a:p>
+            <a:r>
+              <a:rPr lang="en-US" dirty="0" err="1"/>
+              <a:t>s</a:t>
+            </a:r>
+            <a:r>
+              <a:rPr lang="en-US" dirty="0" err="1" smtClean="0"/>
+              <a:t>pm</a:t>
+            </a:r>
+            <a:r>
+              <a:rPr lang="en-US" dirty="0" smtClean="0"/>
+              <a:t> transport</a:t>
+            </a:r>
+            <a:endParaRPr lang="en-US" dirty="0"/>
+          </a:p>
+        </p:txBody>
+      </p:sp>
+      <p:pic>
+        <p:nvPicPr>
+          <p:cNvPr id="6" name="Picture 5"/>
+          <p:cNvPicPr>
+            <a:picLocks noChangeAspect="1"/>
+          </p:cNvPicPr>
+          <p:nvPr/>
+        </p:nvPicPr>
+        <p:blipFill>
+          <a:blip r:embed="rId2"/>
+          <a:stretch>
+            <a:fillRect/>
+          </a:stretch>
+        </p:blipFill>
+        <p:spPr>
+          <a:xfrm>
+            <a:off x="103669" y="1417638"/>
+            <a:ext cx="9144000" cy="2201868"/>
+          </a:xfrm>
+          <a:prstGeom prst="rect">
+            <a:avLst/>
+          </a:prstGeom>
+        </p:spPr>
+      </p:pic>
+      <p:pic>
+        <p:nvPicPr>
+          <p:cNvPr id="7" name="Picture 6"/>
+          <p:cNvPicPr>
+            <a:picLocks noChangeAspect="1"/>
+          </p:cNvPicPr>
+          <p:nvPr/>
+        </p:nvPicPr>
+        <p:blipFill>
+          <a:blip r:embed="rId3"/>
+          <a:stretch>
+            <a:fillRect/>
+          </a:stretch>
+        </p:blipFill>
+        <p:spPr>
+          <a:xfrm>
+            <a:off x="103669" y="4192337"/>
+            <a:ext cx="9144000" cy="1550737"/>
+          </a:xfrm>
+          <a:prstGeom prst="rect">
+            <a:avLst/>
+          </a:prstGeom>
+        </p:spPr>
+      </p:pic>
+      <p:sp>
+        <p:nvSpPr>
+          <p:cNvPr id="8" name="TextBox 7"/>
+          <p:cNvSpPr txBox="1"/>
+          <p:nvPr/>
+        </p:nvSpPr>
+        <p:spPr>
+          <a:xfrm>
+            <a:off x="3032341" y="6440106"/>
+            <a:ext cx="4755851" cy="369332"/>
+          </a:xfrm>
+          <a:prstGeom prst="rect">
+            <a:avLst/>
+          </a:prstGeom>
+          <a:noFill/>
+        </p:spPr>
+        <p:txBody>
+          <a:bodyPr wrap="square" rtlCol="0">
+            <a:spAutoFit/>
+          </a:bodyPr>
+          <a:lstStyle/>
+          <a:p>
+            <a:r>
+              <a:rPr lang="en-US" dirty="0"/>
+              <a:t>https://</a:t>
+            </a:r>
+            <a:r>
+              <a:rPr lang="en-US" dirty="0" err="1"/>
+              <a:t>github.com</a:t>
+            </a:r>
+            <a:r>
+              <a:rPr lang="en-US" dirty="0"/>
+              <a:t>/</a:t>
+            </a:r>
+            <a:r>
+              <a:rPr lang="en-US" dirty="0" err="1"/>
+              <a:t>seajs</a:t>
+            </a:r>
+            <a:r>
+              <a:rPr lang="en-US" dirty="0"/>
+              <a:t>/gallery</a:t>
+            </a:r>
+          </a:p>
+        </p:txBody>
+      </p:sp>
+    </p:spTree>
+    <p:extLst>
+      <p:ext uri="{BB962C8B-B14F-4D97-AF65-F5344CB8AC3E}">
+        <p14:creationId xmlns:p14="http://schemas.microsoft.com/office/powerpoint/2010/main" val="3728469278"/>
+      </p:ext>
+    </p:extLst>
+  </p:cSld>
+  <p:clrMapOvr>
+    <a:masterClrMapping/>
+  </p:clrMapOvr>
+</p:sld>
+</file>
+
+<file path=ppt/slides/slide32.xml><?xml version="1.0" encoding="utf-8"?>
+<p:sld xmlns:a="http://schemas.openxmlformats.org/drawingml/2006/main" xmlns:r="http://schemas.openxmlformats.org/officeDocument/2006/relationships" xmlns:p="http://schemas.openxmlformats.org/presentationml/2006/main">
+  <p:cSld>
+    <p:spTree>
+      <p:nvGrpSpPr>
+        <p:cNvPr id="1" name=""/>
+        <p:cNvGrpSpPr/>
+        <p:nvPr/>
+      </p:nvGrpSpPr>
+      <p:grpSpPr>
+        <a:xfrm>
+          <a:off x="0" y="0"/>
+          <a:ext cx="0" cy="0"/>
+          <a:chOff x="0" y="0"/>
+          <a:chExt cx="0" cy="0"/>
+        </a:xfrm>
+      </p:grpSpPr>
+      <p:sp>
+        <p:nvSpPr>
+          <p:cNvPr id="2" name="Title 1"/>
+          <p:cNvSpPr>
+            <a:spLocks noGrp="1"/>
+          </p:cNvSpPr>
+          <p:nvPr>
+            <p:ph type="title"/>
+          </p:nvPr>
+        </p:nvSpPr>
+        <p:spPr/>
+        <p:txBody>
+          <a:bodyPr/>
+          <a:lstStyle/>
+          <a:p>
+            <a:r>
               <a:rPr lang="en-US" dirty="0" err="1" smtClean="0"/>
               <a:t>Spm</a:t>
             </a:r>
@@ -6030,7 +6191,7 @@
 </p:sld>
 </file>
 
-<file path=ppt/slides/slide31.xml><?xml version="1.0" encoding="utf-8"?>
+<file path=ppt/slides/slide33.xml><?xml version="1.0" encoding="utf-8"?>
 <p:sld xmlns:a="http://schemas.openxmlformats.org/drawingml/2006/main" xmlns:r="http://schemas.openxmlformats.org/officeDocument/2006/relationships" xmlns:p="http://schemas.openxmlformats.org/presentationml/2006/main">
   <p:cSld>
     <p:spTree>
@@ -6115,7 +6276,7 @@
 </p:sld>
 </file>
 
-<file path=ppt/slides/slide32.xml><?xml version="1.0" encoding="utf-8"?>
+<file path=ppt/slides/slide34.xml><?xml version="1.0" encoding="utf-8"?>
 <p:sld xmlns:a="http://schemas.openxmlformats.org/drawingml/2006/main" xmlns:r="http://schemas.openxmlformats.org/officeDocument/2006/relationships" xmlns:p="http://schemas.openxmlformats.org/presentationml/2006/main">
   <p:cSld>
     <p:spTree>
@@ -6192,7 +6353,7 @@
 </p:sld>
 </file>
 
-<file path=ppt/slides/slide33.xml><?xml version="1.0" encoding="utf-8"?>
+<file path=ppt/slides/slide35.xml><?xml version="1.0" encoding="utf-8"?>
 <p:sld xmlns:a="http://schemas.openxmlformats.org/drawingml/2006/main" xmlns:r="http://schemas.openxmlformats.org/officeDocument/2006/relationships" xmlns:p="http://schemas.openxmlformats.org/presentationml/2006/main">
   <p:cSld>
     <p:spTree>
@@ -6269,7 +6430,7 @@
 </p:sld>
 </file>
 
-<file path=ppt/slides/slide34.xml><?xml version="1.0" encoding="utf-8"?>
+<file path=ppt/slides/slide36.xml><?xml version="1.0" encoding="utf-8"?>
 <p:sld xmlns:a="http://schemas.openxmlformats.org/drawingml/2006/main" xmlns:r="http://schemas.openxmlformats.org/officeDocument/2006/relationships" xmlns:p="http://schemas.openxmlformats.org/presentationml/2006/main">
   <p:cSld>
     <p:spTree>
@@ -6311,11 +6472,7 @@
             </a:r>
             <a:r>
               <a:rPr lang="en-US" dirty="0" smtClean="0"/>
-              <a:t> </a:t>
-            </a:r>
-            <a:r>
-              <a:rPr lang="en-US" dirty="0" smtClean="0"/>
-              <a:t>实战</a:t>
+              <a:t> 实战</a:t>
             </a:r>
             <a:endParaRPr lang="en-US" dirty="0"/>
           </a:p>
@@ -6695,11 +6852,7 @@
             </a:r>
             <a:r>
               <a:rPr lang="zh-CN" altLang="en-US" dirty="0" smtClean="0"/>
-              <a:t>核心</a:t>
-            </a:r>
-            <a:r>
-              <a:rPr lang="zh-CN" altLang="en-US" dirty="0" smtClean="0"/>
-              <a:t>思想</a:t>
+              <a:t>核心思想</a:t>
             </a:r>
             <a:endParaRPr lang="en-US" dirty="0"/>
           </a:p>
